--- a/data_understanding/Automobile_dataunderstanding.pptx
+++ b/data_understanding/Automobile_dataunderstanding.pptx
@@ -328,7 +328,7 @@
           <a:p>
             <a:fld id="{ACFD97CC-7F42-4ACF-BCFC-2CA2A0479314}" type="datetimeFigureOut">
               <a:rPr lang="en-IN" smtClean="0"/>
-              <a:t>02-07-2020</a:t>
+              <a:t>05-07-2020</a:t>
             </a:fld>
             <a:endParaRPr lang="en-IN"/>
           </a:p>
@@ -769,7 +769,7 @@
           <a:p>
             <a:fld id="{ACFD97CC-7F42-4ACF-BCFC-2CA2A0479314}" type="datetimeFigureOut">
               <a:rPr lang="en-IN" smtClean="0"/>
-              <a:t>02-07-2020</a:t>
+              <a:t>05-07-2020</a:t>
             </a:fld>
             <a:endParaRPr lang="en-IN"/>
           </a:p>
@@ -1019,7 +1019,7 @@
           <a:p>
             <a:fld id="{ACFD97CC-7F42-4ACF-BCFC-2CA2A0479314}" type="datetimeFigureOut">
               <a:rPr lang="en-IN" smtClean="0"/>
-              <a:t>02-07-2020</a:t>
+              <a:t>05-07-2020</a:t>
             </a:fld>
             <a:endParaRPr lang="en-IN"/>
           </a:p>
@@ -1327,7 +1327,7 @@
           <a:p>
             <a:fld id="{ACFD97CC-7F42-4ACF-BCFC-2CA2A0479314}" type="datetimeFigureOut">
               <a:rPr lang="en-IN" smtClean="0"/>
-              <a:t>02-07-2020</a:t>
+              <a:t>05-07-2020</a:t>
             </a:fld>
             <a:endParaRPr lang="en-IN"/>
           </a:p>
@@ -1645,7 +1645,7 @@
           <a:p>
             <a:fld id="{ACFD97CC-7F42-4ACF-BCFC-2CA2A0479314}" type="datetimeFigureOut">
               <a:rPr lang="en-IN" smtClean="0"/>
-              <a:t>02-07-2020</a:t>
+              <a:t>05-07-2020</a:t>
             </a:fld>
             <a:endParaRPr lang="en-IN"/>
           </a:p>
@@ -1947,7 +1947,7 @@
           <a:p>
             <a:fld id="{ACFD97CC-7F42-4ACF-BCFC-2CA2A0479314}" type="datetimeFigureOut">
               <a:rPr lang="en-IN" smtClean="0"/>
-              <a:t>02-07-2020</a:t>
+              <a:t>05-07-2020</a:t>
             </a:fld>
             <a:endParaRPr lang="en-IN"/>
           </a:p>
@@ -2314,7 +2314,7 @@
           <a:p>
             <a:fld id="{ACFD97CC-7F42-4ACF-BCFC-2CA2A0479314}" type="datetimeFigureOut">
               <a:rPr lang="en-IN" smtClean="0"/>
-              <a:t>02-07-2020</a:t>
+              <a:t>05-07-2020</a:t>
             </a:fld>
             <a:endParaRPr lang="en-IN"/>
           </a:p>
@@ -2488,7 +2488,7 @@
           <a:p>
             <a:fld id="{ACFD97CC-7F42-4ACF-BCFC-2CA2A0479314}" type="datetimeFigureOut">
               <a:rPr lang="en-IN" smtClean="0"/>
-              <a:t>02-07-2020</a:t>
+              <a:t>05-07-2020</a:t>
             </a:fld>
             <a:endParaRPr lang="en-IN"/>
           </a:p>
@@ -2668,7 +2668,7 @@
           <a:p>
             <a:fld id="{ACFD97CC-7F42-4ACF-BCFC-2CA2A0479314}" type="datetimeFigureOut">
               <a:rPr lang="en-IN" smtClean="0"/>
-              <a:t>02-07-2020</a:t>
+              <a:t>05-07-2020</a:t>
             </a:fld>
             <a:endParaRPr lang="en-IN"/>
           </a:p>
@@ -2843,7 +2843,7 @@
           <a:p>
             <a:fld id="{ACFD97CC-7F42-4ACF-BCFC-2CA2A0479314}" type="datetimeFigureOut">
               <a:rPr lang="en-IN" smtClean="0"/>
-              <a:t>02-07-2020</a:t>
+              <a:t>05-07-2020</a:t>
             </a:fld>
             <a:endParaRPr lang="en-IN"/>
           </a:p>
@@ -3093,7 +3093,7 @@
           <a:p>
             <a:fld id="{ACFD97CC-7F42-4ACF-BCFC-2CA2A0479314}" type="datetimeFigureOut">
               <a:rPr lang="en-IN" smtClean="0"/>
-              <a:t>02-07-2020</a:t>
+              <a:t>05-07-2020</a:t>
             </a:fld>
             <a:endParaRPr lang="en-IN"/>
           </a:p>
@@ -3334,7 +3334,7 @@
           <a:p>
             <a:fld id="{ACFD97CC-7F42-4ACF-BCFC-2CA2A0479314}" type="datetimeFigureOut">
               <a:rPr lang="en-IN" smtClean="0"/>
-              <a:t>02-07-2020</a:t>
+              <a:t>05-07-2020</a:t>
             </a:fld>
             <a:endParaRPr lang="en-IN"/>
           </a:p>
@@ -3716,7 +3716,7 @@
           <a:p>
             <a:fld id="{ACFD97CC-7F42-4ACF-BCFC-2CA2A0479314}" type="datetimeFigureOut">
               <a:rPr lang="en-IN" smtClean="0"/>
-              <a:t>02-07-2020</a:t>
+              <a:t>05-07-2020</a:t>
             </a:fld>
             <a:endParaRPr lang="en-IN"/>
           </a:p>
@@ -3834,7 +3834,7 @@
           <a:p>
             <a:fld id="{ACFD97CC-7F42-4ACF-BCFC-2CA2A0479314}" type="datetimeFigureOut">
               <a:rPr lang="en-IN" smtClean="0"/>
-              <a:t>02-07-2020</a:t>
+              <a:t>05-07-2020</a:t>
             </a:fld>
             <a:endParaRPr lang="en-IN"/>
           </a:p>
@@ -3929,7 +3929,7 @@
           <a:p>
             <a:fld id="{ACFD97CC-7F42-4ACF-BCFC-2CA2A0479314}" type="datetimeFigureOut">
               <a:rPr lang="en-IN" smtClean="0"/>
-              <a:t>02-07-2020</a:t>
+              <a:t>05-07-2020</a:t>
             </a:fld>
             <a:endParaRPr lang="en-IN"/>
           </a:p>
@@ -4189,7 +4189,7 @@
           <a:p>
             <a:fld id="{ACFD97CC-7F42-4ACF-BCFC-2CA2A0479314}" type="datetimeFigureOut">
               <a:rPr lang="en-IN" smtClean="0"/>
-              <a:t>02-07-2020</a:t>
+              <a:t>05-07-2020</a:t>
             </a:fld>
             <a:endParaRPr lang="en-IN"/>
           </a:p>
@@ -4477,7 +4477,7 @@
           <a:p>
             <a:fld id="{ACFD97CC-7F42-4ACF-BCFC-2CA2A0479314}" type="datetimeFigureOut">
               <a:rPr lang="en-IN" smtClean="0"/>
-              <a:t>02-07-2020</a:t>
+              <a:t>05-07-2020</a:t>
             </a:fld>
             <a:endParaRPr lang="en-IN"/>
           </a:p>
@@ -4883,7 +4883,7 @@
           <a:p>
             <a:fld id="{ACFD97CC-7F42-4ACF-BCFC-2CA2A0479314}" type="datetimeFigureOut">
               <a:rPr lang="en-IN" smtClean="0"/>
-              <a:t>02-07-2020</a:t>
+              <a:t>05-07-2020</a:t>
             </a:fld>
             <a:endParaRPr lang="en-IN"/>
           </a:p>
